--- a/IntentionLearning/memo/Understanding Intentions(for seminar)_hand_out.pptx
+++ b/IntentionLearning/memo/Understanding Intentions(for seminar)_hand_out.pptx
@@ -7,6 +7,9 @@
   <p:notesMasterIdLst>
     <p:notesMasterId r:id="rId23"/>
   </p:notesMasterIdLst>
+  <p:handoutMasterIdLst>
+    <p:handoutMasterId r:id="rId24"/>
+  </p:handoutMasterIdLst>
   <p:sldIdLst>
     <p:sldId id="256" r:id="rId3"/>
     <p:sldId id="257" r:id="rId4"/>
@@ -30,7 +33,7 @@
     <p:sldId id="279" r:id="rId22"/>
   </p:sldIdLst>
   <p:sldSz cx="9144000" cy="6858000" type="screen4x3"/>
-  <p:notesSz cx="6858000" cy="9144000"/>
+  <p:notesSz cx="6799263" cy="9929813"/>
   <p:defaultTextStyle>
     <a:defPPr>
       <a:defRPr lang="en-US"/>
@@ -128,7 +131,7 @@
   </p:defaultTextStyle>
   <p:extLst>
     <p:ext uri="{EFAFB233-063F-42B5-8137-9DF3F51BA10A}">
-      <p15:sldGuideLst xmlns:p15="http://schemas.microsoft.com/office/powerpoint/2012/main" xmlns="">
+      <p15:sldGuideLst xmlns:p15="http://schemas.microsoft.com/office/powerpoint/2012/main">
         <p15:guide id="1" orient="horz" pos="2160">
           <p15:clr>
             <a:srgbClr val="A4A3A4"/>
@@ -140,6 +143,20 @@
           </p15:clr>
         </p15:guide>
       </p15:sldGuideLst>
+    </p:ext>
+    <p:ext uri="{2D200454-40CA-4A62-9FC3-DE9A4176ACB9}">
+      <p15:notesGuideLst xmlns:p15="http://schemas.microsoft.com/office/powerpoint/2012/main">
+        <p15:guide id="1" orient="horz" pos="3128" userDrawn="1">
+          <p15:clr>
+            <a:srgbClr val="A4A3A4"/>
+          </p15:clr>
+        </p15:guide>
+        <p15:guide id="2" pos="2142" userDrawn="1">
+          <p15:clr>
+            <a:srgbClr val="A4A3A4"/>
+          </p15:clr>
+        </p15:guide>
+      </p15:notesGuideLst>
     </p:ext>
   </p:extLst>
 </p:presentation>
@@ -1151,13 +1168,12 @@
           <c:showPercent val="0"/>
           <c:showBubbleSize val="0"/>
         </c:dLbls>
-        <c:marker val="1"/>
         <c:smooth val="0"/>
-        <c:axId val="203986048"/>
-        <c:axId val="203987968"/>
+        <c:axId val="264077800"/>
+        <c:axId val="263402920"/>
       </c:lineChart>
       <c:catAx>
-        <c:axId val="203986048"/>
+        <c:axId val="264077800"/>
         <c:scaling>
           <c:orientation val="minMax"/>
         </c:scaling>
@@ -1195,7 +1211,7 @@
         <c:majorTickMark val="out"/>
         <c:minorTickMark val="none"/>
         <c:tickLblPos val="nextTo"/>
-        <c:crossAx val="203987968"/>
+        <c:crossAx val="263402920"/>
         <c:crosses val="autoZero"/>
         <c:auto val="1"/>
         <c:lblAlgn val="ctr"/>
@@ -1203,7 +1219,7 @@
         <c:noMultiLvlLbl val="0"/>
       </c:catAx>
       <c:valAx>
-        <c:axId val="203987968"/>
+        <c:axId val="263402920"/>
         <c:scaling>
           <c:orientation val="minMax"/>
         </c:scaling>
@@ -1242,7 +1258,7 @@
         <c:majorTickMark val="out"/>
         <c:minorTickMark val="none"/>
         <c:tickLblPos val="nextTo"/>
-        <c:crossAx val="203986048"/>
+        <c:crossAx val="264077800"/>
         <c:crosses val="autoZero"/>
         <c:crossBetween val="between"/>
       </c:valAx>
@@ -1260,6 +1276,171 @@
     <c:autoUpdate val="0"/>
   </c:externalData>
 </c:chartSpace>
+</file>
+
+<file path=ppt/handoutMasters/handoutMaster1.xml><?xml version="1.0" encoding="utf-8"?>
+<p:handoutMaster xmlns:a="http://schemas.openxmlformats.org/drawingml/2006/main" xmlns:r="http://schemas.openxmlformats.org/officeDocument/2006/relationships" xmlns:p="http://schemas.openxmlformats.org/presentationml/2006/main">
+  <p:cSld>
+    <p:bg>
+      <p:bgRef idx="1001">
+        <a:schemeClr val="bg1"/>
+      </p:bgRef>
+    </p:bg>
+    <p:spTree>
+      <p:nvGrpSpPr>
+        <p:cNvPr id="1" name=""/>
+        <p:cNvGrpSpPr/>
+        <p:nvPr/>
+      </p:nvGrpSpPr>
+      <p:grpSpPr>
+        <a:xfrm>
+          <a:off x="0" y="0"/>
+          <a:ext cx="0" cy="0"/>
+          <a:chOff x="0" y="0"/>
+          <a:chExt cx="0" cy="0"/>
+        </a:xfrm>
+      </p:grpSpPr>
+      <p:sp>
+        <p:nvSpPr>
+          <p:cNvPr id="2" name="ヘッダー プレースホルダー 1"/>
+          <p:cNvSpPr>
+            <a:spLocks noGrp="1"/>
+          </p:cNvSpPr>
+          <p:nvPr>
+            <p:ph type="hdr" sz="quarter"/>
+          </p:nvPr>
+        </p:nvSpPr>
+        <p:spPr>
+          <a:xfrm>
+            <a:off x="0" y="0"/>
+            <a:ext cx="2946347" cy="498215"/>
+          </a:xfrm>
+          <a:prstGeom prst="rect">
+            <a:avLst/>
+          </a:prstGeom>
+        </p:spPr>
+        <p:txBody>
+          <a:bodyPr vert="horz" lIns="91440" tIns="45720" rIns="91440" bIns="45720" rtlCol="0"/>
+          <a:lstStyle>
+            <a:lvl1pPr algn="l">
+              <a:defRPr sz="1200"/>
+            </a:lvl1pPr>
+          </a:lstStyle>
+          <a:p>
+            <a:endParaRPr kumimoji="1" lang="ja-JP" altLang="en-US"/>
+          </a:p>
+        </p:txBody>
+      </p:sp>
+      <p:sp>
+        <p:nvSpPr>
+          <p:cNvPr id="3" name="日付プレースホルダー 2"/>
+          <p:cNvSpPr>
+            <a:spLocks noGrp="1"/>
+          </p:cNvSpPr>
+          <p:nvPr>
+            <p:ph type="dt" sz="quarter" idx="1"/>
+          </p:nvPr>
+        </p:nvSpPr>
+        <p:spPr>
+          <a:xfrm>
+            <a:off x="3851342" y="0"/>
+            <a:ext cx="2946347" cy="498215"/>
+          </a:xfrm>
+          <a:prstGeom prst="rect">
+            <a:avLst/>
+          </a:prstGeom>
+        </p:spPr>
+        <p:txBody>
+          <a:bodyPr vert="horz" lIns="91440" tIns="45720" rIns="91440" bIns="45720" rtlCol="0"/>
+          <a:lstStyle>
+            <a:lvl1pPr algn="r">
+              <a:defRPr sz="1200"/>
+            </a:lvl1pPr>
+          </a:lstStyle>
+          <a:p>
+            <a:fld id="{8C3B02B0-9C07-47FB-B4F2-520642583B50}" type="datetimeFigureOut">
+              <a:rPr kumimoji="1" lang="ja-JP" altLang="en-US" smtClean="0"/>
+              <a:t>2016/1/22</a:t>
+            </a:fld>
+            <a:endParaRPr kumimoji="1" lang="ja-JP" altLang="en-US"/>
+          </a:p>
+        </p:txBody>
+      </p:sp>
+      <p:sp>
+        <p:nvSpPr>
+          <p:cNvPr id="4" name="フッター プレースホルダー 3"/>
+          <p:cNvSpPr>
+            <a:spLocks noGrp="1"/>
+          </p:cNvSpPr>
+          <p:nvPr>
+            <p:ph type="ftr" sz="quarter" idx="2"/>
+          </p:nvPr>
+        </p:nvSpPr>
+        <p:spPr>
+          <a:xfrm>
+            <a:off x="0" y="9431600"/>
+            <a:ext cx="2946347" cy="498214"/>
+          </a:xfrm>
+          <a:prstGeom prst="rect">
+            <a:avLst/>
+          </a:prstGeom>
+        </p:spPr>
+        <p:txBody>
+          <a:bodyPr vert="horz" lIns="91440" tIns="45720" rIns="91440" bIns="45720" rtlCol="0" anchor="b"/>
+          <a:lstStyle>
+            <a:lvl1pPr algn="l">
+              <a:defRPr sz="1200"/>
+            </a:lvl1pPr>
+          </a:lstStyle>
+          <a:p>
+            <a:endParaRPr kumimoji="1" lang="ja-JP" altLang="en-US"/>
+          </a:p>
+        </p:txBody>
+      </p:sp>
+      <p:sp>
+        <p:nvSpPr>
+          <p:cNvPr id="5" name="スライド番号プレースホルダー 4"/>
+          <p:cNvSpPr>
+            <a:spLocks noGrp="1"/>
+          </p:cNvSpPr>
+          <p:nvPr>
+            <p:ph type="sldNum" sz="quarter" idx="3"/>
+          </p:nvPr>
+        </p:nvSpPr>
+        <p:spPr>
+          <a:xfrm>
+            <a:off x="3851342" y="9431600"/>
+            <a:ext cx="2946347" cy="498214"/>
+          </a:xfrm>
+          <a:prstGeom prst="rect">
+            <a:avLst/>
+          </a:prstGeom>
+        </p:spPr>
+        <p:txBody>
+          <a:bodyPr vert="horz" lIns="91440" tIns="45720" rIns="91440" bIns="45720" rtlCol="0" anchor="b"/>
+          <a:lstStyle>
+            <a:lvl1pPr algn="r">
+              <a:defRPr sz="1200"/>
+            </a:lvl1pPr>
+          </a:lstStyle>
+          <a:p>
+            <a:fld id="{A4BE3650-3152-4F9C-957C-65D06824400E}" type="slidenum">
+              <a:rPr kumimoji="1" lang="ja-JP" altLang="en-US" smtClean="0"/>
+              <a:t>‹#›</a:t>
+            </a:fld>
+            <a:endParaRPr kumimoji="1" lang="ja-JP" altLang="en-US"/>
+          </a:p>
+        </p:txBody>
+      </p:sp>
+    </p:spTree>
+    <p:extLst>
+      <p:ext uri="{BB962C8B-B14F-4D97-AF65-F5344CB8AC3E}">
+        <p14:creationId xmlns:p14="http://schemas.microsoft.com/office/powerpoint/2010/main" val="1669723966"/>
+      </p:ext>
+    </p:extLst>
+  </p:cSld>
+  <p:clrMap bg1="lt1" tx1="dk1" bg2="lt2" tx2="dk2" accent1="accent1" accent2="accent2" accent3="accent3" accent4="accent4" accent5="accent5" accent6="accent6" hlink="hlink" folHlink="folHlink"/>
+</p:handoutMaster>
 </file>
 
 <file path=ppt/notesMasters/notesMaster1.xml><?xml version="1.0" encoding="utf-8"?>
@@ -1297,7 +1478,7 @@
         <p:spPr>
           <a:xfrm>
             <a:off x="0" y="0"/>
-            <a:ext cx="2971800" cy="457200"/>
+            <a:ext cx="2946347" cy="496491"/>
           </a:xfrm>
           <a:prstGeom prst="rect">
             <a:avLst/>
@@ -1327,8 +1508,8 @@
         </p:nvSpPr>
         <p:spPr>
           <a:xfrm>
-            <a:off x="3884613" y="0"/>
-            <a:ext cx="2971800" cy="457200"/>
+            <a:off x="3851342" y="0"/>
+            <a:ext cx="2946347" cy="496491"/>
           </a:xfrm>
           <a:prstGeom prst="rect">
             <a:avLst/>
@@ -1363,8 +1544,8 @@
         </p:nvSpPr>
         <p:spPr>
           <a:xfrm>
-            <a:off x="1143000" y="685800"/>
-            <a:ext cx="4572000" cy="3429000"/>
+            <a:off x="917575" y="744538"/>
+            <a:ext cx="4964113" cy="3724275"/>
           </a:xfrm>
           <a:prstGeom prst="rect">
             <a:avLst/>
@@ -1396,8 +1577,8 @@
         </p:nvSpPr>
         <p:spPr>
           <a:xfrm>
-            <a:off x="685800" y="4343400"/>
-            <a:ext cx="5486400" cy="4114800"/>
+            <a:off x="679927" y="4716661"/>
+            <a:ext cx="5439410" cy="4468416"/>
           </a:xfrm>
           <a:prstGeom prst="rect">
             <a:avLst/>
@@ -1457,8 +1638,8 @@
         </p:nvSpPr>
         <p:spPr>
           <a:xfrm>
-            <a:off x="0" y="8685213"/>
-            <a:ext cx="2971800" cy="457200"/>
+            <a:off x="0" y="9431599"/>
+            <a:ext cx="2946347" cy="496491"/>
           </a:xfrm>
           <a:prstGeom prst="rect">
             <a:avLst/>
@@ -1488,8 +1669,8 @@
         </p:nvSpPr>
         <p:spPr>
           <a:xfrm>
-            <a:off x="3884613" y="8685213"/>
-            <a:ext cx="2971800" cy="457200"/>
+            <a:off x="3851342" y="9431599"/>
+            <a:ext cx="2946347" cy="496491"/>
           </a:xfrm>
           <a:prstGeom prst="rect">
             <a:avLst/>
@@ -1644,8 +1825,8 @@
         </p:nvSpPr>
         <p:spPr>
           <a:xfrm>
-            <a:off x="1143000" y="685800"/>
-            <a:ext cx="4572000" cy="3429000"/>
+            <a:off x="917575" y="744538"/>
+            <a:ext cx="4964113" cy="3724275"/>
           </a:xfrm>
         </p:spPr>
       </p:sp>
@@ -2330,9 +2511,8 @@
             <a:extLst/>
           </a:lstStyle>
           <a:p>
-            <a:fld id="{E6E13C79-1C97-4B32-B2AE-1A69C169643E}" type="datetime2">
-              <a:rPr lang="ja-JP" altLang="en-US"/>
-              <a:pPr/>
+            <a:fld id="{78EDE3CC-F28E-4F62-A224-46ECB9611245}" type="datetime2">
+              <a:rPr lang="ja-JP" altLang="en-US" smtClean="0"/>
               <a:t>2016年1月22日(金)</a:t>
             </a:fld>
             <a:endParaRPr kumimoji="1" lang="ja-JP">
@@ -2394,7 +2574,7 @@
           <a:bodyPr/>
           <a:lstStyle>
             <a:lvl1pPr latinLnBrk="0">
-              <a:defRPr kumimoji="1" lang="ja-JP">
+              <a:defRPr kumimoji="1" lang="ja-JP" sz="2000">
                 <a:solidFill>
                   <a:srgbClr val="FFFFFF"/>
                 </a:solidFill>
@@ -2404,15 +2584,11 @@
           </a:lstStyle>
           <a:p>
             <a:fld id="{45292C34-3E5E-4BA5-AF54-F1601B144FB0}" type="slidenum">
-              <a:rPr/>
+              <a:rPr lang="en-US" altLang="ja-JP" smtClean="0"/>
               <a:pPr/>
               <a:t>‹#›</a:t>
             </a:fld>
-            <a:endParaRPr kumimoji="1" lang="ja-JP">
-              <a:solidFill>
-                <a:srgbClr val="FFFFFF"/>
-              </a:solidFill>
-            </a:endParaRPr>
+            <a:endParaRPr lang="en-US" altLang="en-US" dirty="0"/>
           </a:p>
         </p:txBody>
       </p:sp>
@@ -2421,6 +2597,13 @@
   <p:clrMapOvr>
     <a:masterClrMapping/>
   </p:clrMapOvr>
+  <p:timing>
+    <p:tnLst>
+      <p:par>
+        <p:cTn id="1" dur="indefinite" restart="never" nodeType="tmRoot"/>
+      </p:par>
+    </p:tnLst>
+  </p:timing>
 </p:sldLayout>
 </file>
 
@@ -2574,9 +2757,8 @@
             <a:extLst/>
           </a:lstStyle>
           <a:p>
-            <a:fld id="{D10E14BF-C004-4398-9186-5EE680724D95}" type="datetime2">
-              <a:rPr lang="ja-JP" altLang="en-US"/>
-              <a:pPr/>
+            <a:fld id="{7AC684A2-9F96-4254-973C-2E049E0FD98E}" type="datetime2">
+              <a:rPr lang="ja-JP" altLang="en-US" smtClean="0"/>
               <a:t>2016年1月22日(金)</a:t>
             </a:fld>
             <a:endParaRPr kumimoji="1" lang="ja-JP"/>
@@ -2799,9 +2981,8 @@
             <a:extLst/>
           </a:lstStyle>
           <a:p>
-            <a:fld id="{D10E14BF-C004-4398-9186-5EE680724D95}" type="datetime2">
-              <a:rPr lang="ja-JP" altLang="en-US"/>
-              <a:pPr/>
+            <a:fld id="{2E79AD4A-8C3A-4078-AB89-F48F395F0DA1}" type="datetime2">
+              <a:rPr lang="ja-JP" altLang="en-US" smtClean="0"/>
               <a:t>2016年1月22日(金)</a:t>
             </a:fld>
             <a:endParaRPr kumimoji="1" lang="ja-JP"/>
@@ -2989,9 +3170,8 @@
             <a:extLst/>
           </a:lstStyle>
           <a:p>
-            <a:fld id="{227FEF5B-F2CC-4EC5-8F1F-29A8BF9EFFA9}" type="datetime2">
-              <a:rPr lang="ja-JP" altLang="en-US"/>
-              <a:pPr/>
+            <a:fld id="{A0424A6D-349C-4D45-B984-2515C83ABFDD}" type="datetime2">
+              <a:rPr lang="ja-JP" altLang="en-US" smtClean="0"/>
               <a:t>2016年1月22日(金)</a:t>
             </a:fld>
             <a:endParaRPr kumimoji="1" lang="ja-JP"/>
@@ -3029,19 +3209,27 @@
             <p:ph type="sldNum" sz="quarter" idx="12"/>
           </p:nvPr>
         </p:nvSpPr>
-        <p:spPr/>
+        <p:spPr>
+          <a:xfrm>
+            <a:off x="8388424" y="6407946"/>
+            <a:ext cx="624608" cy="365125"/>
+          </a:xfrm>
+        </p:spPr>
         <p:txBody>
           <a:bodyPr/>
           <a:lstStyle>
+            <a:lvl1pPr>
+              <a:defRPr sz="2000"/>
+            </a:lvl1pPr>
             <a:extLst/>
           </a:lstStyle>
           <a:p>
             <a:fld id="{BC410EEA-824F-4D46-AFE7-60426C8C06B0}" type="slidenum">
-              <a:rPr/>
+              <a:rPr lang="en-US" altLang="ja-JP" smtClean="0"/>
               <a:pPr/>
               <a:t>‹#›</a:t>
             </a:fld>
-            <a:endParaRPr kumimoji="1" lang="ja-JP"/>
+            <a:endParaRPr lang="en-US" altLang="en-US" dirty="0"/>
           </a:p>
         </p:txBody>
       </p:sp>
@@ -3075,6 +3263,13 @@
   <p:clrMapOvr>
     <a:masterClrMapping/>
   </p:clrMapOvr>
+  <p:timing>
+    <p:tnLst>
+      <p:par>
+        <p:cTn id="1" dur="indefinite" restart="never" nodeType="tmRoot"/>
+      </p:par>
+    </p:tnLst>
+  </p:timing>
 </p:sldLayout>
 </file>
 
@@ -3246,9 +3441,8 @@
             <a:extLst/>
           </a:lstStyle>
           <a:p>
-            <a:fld id="{5F4709C1-563D-4D9C-B702-B64C84A5A174}" type="datetime2">
-              <a:rPr lang="ja-JP" altLang="en-US"/>
-              <a:pPr/>
+            <a:fld id="{1B319610-5E1F-4E77-9B32-7B7B1DE8D559}" type="datetime2">
+              <a:rPr lang="ja-JP" altLang="en-US" smtClean="0"/>
               <a:t>2016年1月22日(金)</a:t>
             </a:fld>
             <a:endParaRPr kumimoji="1" lang="ja-JP"/>
@@ -3721,9 +3915,8 @@
             <a:extLst/>
           </a:lstStyle>
           <a:p>
-            <a:fld id="{2E8303D9-A6EB-41FB-BF22-3F49E470997E}" type="datetime2">
-              <a:rPr lang="ja-JP" altLang="en-US"/>
-              <a:pPr/>
+            <a:fld id="{B84C803A-AFF9-4E6C-B0F3-F9B398782207}" type="datetime2">
+              <a:rPr lang="ja-JP" altLang="en-US" smtClean="0"/>
               <a:t>2016年1月22日(金)</a:t>
             </a:fld>
             <a:endParaRPr kumimoji="1" lang="ja-JP"/>
@@ -4233,9 +4426,8 @@
             <a:extLst/>
           </a:lstStyle>
           <a:p>
-            <a:fld id="{89BB0534-5698-4F62-9CFE-5DE61A073E78}" type="datetime2">
-              <a:rPr lang="ja-JP" altLang="en-US"/>
-              <a:pPr/>
+            <a:fld id="{2C88B5DD-F290-4EC9-A158-A2F9873049B3}" type="datetime2">
+              <a:rPr lang="ja-JP" altLang="en-US" smtClean="0"/>
               <a:t>2016年1月22日(金)</a:t>
             </a:fld>
             <a:endParaRPr kumimoji="1" lang="ja-JP"/>
@@ -4336,9 +4528,8 @@
             <a:extLst/>
           </a:lstStyle>
           <a:p>
-            <a:fld id="{084827A3-B249-4F87-AB1A-1E06AC1AA2A4}" type="datetime2">
-              <a:rPr lang="ja-JP" altLang="en-US"/>
-              <a:pPr/>
+            <a:fld id="{C027A7C4-5613-416A-AD7E-7F19BA47B61E}" type="datetime2">
+              <a:rPr lang="ja-JP" altLang="en-US" smtClean="0"/>
               <a:t>2016年1月22日(金)</a:t>
             </a:fld>
             <a:endParaRPr kumimoji="1" lang="ja-JP"/>
@@ -4459,9 +4650,8 @@
             <a:extLst/>
           </a:lstStyle>
           <a:p>
-            <a:fld id="{B1546142-29B2-49CC-BCC6-A3AD70B4960E}" type="datetime2">
-              <a:rPr lang="ja-JP" altLang="en-US"/>
-              <a:pPr/>
+            <a:fld id="{4F6F6009-B022-44CB-90C5-5CCEA843862C}" type="datetime2">
+              <a:rPr lang="ja-JP" altLang="en-US" smtClean="0"/>
               <a:t>2016年1月22日(金)</a:t>
             </a:fld>
             <a:endParaRPr kumimoji="1" lang="ja-JP"/>
@@ -4767,9 +4957,8 @@
             <a:extLst/>
           </a:lstStyle>
           <a:p>
-            <a:fld id="{E86C4691-4882-40A8-AF62-8CF6A18D40B2}" type="datetime2">
-              <a:rPr lang="ja-JP" altLang="en-US"/>
-              <a:pPr/>
+            <a:fld id="{92A7FA76-3DE2-471A-B2C2-58AB98738DB7}" type="datetime2">
+              <a:rPr lang="ja-JP" altLang="en-US" smtClean="0"/>
               <a:t>2016年1月22日(金)</a:t>
             </a:fld>
             <a:endParaRPr kumimoji="1" lang="ja-JP"/>
@@ -4974,9 +5163,8 @@
             <a:extLst/>
           </a:lstStyle>
           <a:p>
-            <a:fld id="{61C6776A-4DEC-47EE-8A49-2C150ECB5465}" type="datetime2">
-              <a:rPr lang="ja-JP" altLang="en-US"/>
-              <a:pPr/>
+            <a:fld id="{F64CBA8B-32E3-4CE3-B9C9-438A7C04B07C}" type="datetime2">
+              <a:rPr lang="ja-JP" altLang="en-US" smtClean="0"/>
               <a:t>2016年1月22日(金)</a:t>
             </a:fld>
             <a:endParaRPr kumimoji="1" lang="ja-JP">
@@ -6123,9 +6311,8 @@
             <a:extLst/>
           </a:lstStyle>
           <a:p>
-            <a:fld id="{D10E14BF-C004-4398-9186-5EE680724D95}" type="datetime2">
-              <a:rPr lang="ja-JP" altLang="en-US"/>
-              <a:pPr/>
+            <a:fld id="{251FFCFA-222C-49EB-A2CA-DC431BF49BB3}" type="datetime2">
+              <a:rPr lang="ja-JP" altLang="en-US" smtClean="0"/>
               <a:t>2016年1月22日(金)</a:t>
             </a:fld>
             <a:endParaRPr kumimoji="1" lang="ja-JP" sz="1000">
@@ -6244,6 +6431,7 @@
     <p:sldLayoutId id="2147483668" r:id="rId10"/>
     <p:sldLayoutId id="2147483669" r:id="rId11"/>
   </p:sldLayoutIdLst>
+  <p:hf hdr="0" ftr="0" dt="0"/>
   <p:txStyles>
     <p:titleStyle>
       <a:lvl1pPr algn="l" rtl="0" eaLnBrk="1" latinLnBrk="0" hangingPunct="1">
@@ -6613,11 +6801,42 @@
           </a:p>
         </p:txBody>
       </p:sp>
+      <p:sp>
+        <p:nvSpPr>
+          <p:cNvPr id="5" name="スライド番号プレースホルダー 4"/>
+          <p:cNvSpPr>
+            <a:spLocks noGrp="1"/>
+          </p:cNvSpPr>
+          <p:nvPr>
+            <p:ph type="sldNum" sz="quarter" idx="12"/>
+          </p:nvPr>
+        </p:nvSpPr>
+        <p:spPr/>
+        <p:txBody>
+          <a:bodyPr/>
+          <a:lstStyle/>
+          <a:p>
+            <a:fld id="{45292C34-3E5E-4BA5-AF54-F1601B144FB0}" type="slidenum">
+              <a:rPr lang="en-US" altLang="ja-JP" smtClean="0"/>
+              <a:pPr/>
+              <a:t>1</a:t>
+            </a:fld>
+            <a:endParaRPr lang="en-US" altLang="en-US" dirty="0"/>
+          </a:p>
+        </p:txBody>
+      </p:sp>
     </p:spTree>
   </p:cSld>
   <p:clrMapOvr>
     <a:masterClrMapping/>
   </p:clrMapOvr>
+  <p:timing>
+    <p:tnLst>
+      <p:par>
+        <p:cTn id="1" dur="indefinite" restart="never" nodeType="tmRoot"/>
+      </p:par>
+    </p:tnLst>
+  </p:timing>
 </p:sld>
 </file>
 
@@ -8643,6 +8862,30 @@
           </a:p>
         </p:txBody>
       </p:sp>
+      <p:sp>
+        <p:nvSpPr>
+          <p:cNvPr id="3" name="スライド番号プレースホルダー 2"/>
+          <p:cNvSpPr>
+            <a:spLocks noGrp="1"/>
+          </p:cNvSpPr>
+          <p:nvPr>
+            <p:ph type="sldNum" sz="quarter" idx="12"/>
+          </p:nvPr>
+        </p:nvSpPr>
+        <p:spPr/>
+        <p:txBody>
+          <a:bodyPr/>
+          <a:lstStyle/>
+          <a:p>
+            <a:fld id="{BC410EEA-824F-4D46-AFE7-60426C8C06B0}" type="slidenum">
+              <a:rPr lang="en-US" altLang="ja-JP" smtClean="0"/>
+              <a:pPr/>
+              <a:t>10</a:t>
+            </a:fld>
+            <a:endParaRPr kumimoji="1" lang="ja-JP" altLang="en-US"/>
+          </a:p>
+        </p:txBody>
+      </p:sp>
     </p:spTree>
     <p:extLst>
       <p:ext uri="{BB962C8B-B14F-4D97-AF65-F5344CB8AC3E}">
@@ -8653,6 +8896,13 @@
   <p:clrMapOvr>
     <a:masterClrMapping/>
   </p:clrMapOvr>
+  <p:timing>
+    <p:tnLst>
+      <p:par>
+        <p:cTn id="1" dur="indefinite" restart="never" nodeType="tmRoot"/>
+      </p:par>
+    </p:tnLst>
+  </p:timing>
 </p:sld>
 </file>
 
@@ -8725,6 +8975,30 @@
           </a:xfrm>
         </p:spPr>
       </p:pic>
+      <p:sp>
+        <p:nvSpPr>
+          <p:cNvPr id="4" name="スライド番号プレースホルダー 3"/>
+          <p:cNvSpPr>
+            <a:spLocks noGrp="1"/>
+          </p:cNvSpPr>
+          <p:nvPr>
+            <p:ph type="sldNum" sz="quarter" idx="12"/>
+          </p:nvPr>
+        </p:nvSpPr>
+        <p:spPr/>
+        <p:txBody>
+          <a:bodyPr/>
+          <a:lstStyle/>
+          <a:p>
+            <a:fld id="{BC410EEA-824F-4D46-AFE7-60426C8C06B0}" type="slidenum">
+              <a:rPr lang="en-US" altLang="ja-JP" smtClean="0"/>
+              <a:pPr/>
+              <a:t>11</a:t>
+            </a:fld>
+            <a:endParaRPr kumimoji="1" lang="ja-JP" altLang="en-US"/>
+          </a:p>
+        </p:txBody>
+      </p:sp>
     </p:spTree>
     <p:extLst>
       <p:ext uri="{BB962C8B-B14F-4D97-AF65-F5344CB8AC3E}">
@@ -8735,6 +9009,13 @@
   <p:clrMapOvr>
     <a:masterClrMapping/>
   </p:clrMapOvr>
+  <p:timing>
+    <p:tnLst>
+      <p:par>
+        <p:cTn id="1" dur="indefinite" restart="never" nodeType="tmRoot"/>
+      </p:par>
+    </p:tnLst>
+  </p:timing>
 </p:sld>
 </file>
 
@@ -8936,6 +9217,30 @@
           </a:prstGeom>
         </p:spPr>
       </p:pic>
+      <p:sp>
+        <p:nvSpPr>
+          <p:cNvPr id="6" name="スライド番号プレースホルダー 5"/>
+          <p:cNvSpPr>
+            <a:spLocks noGrp="1"/>
+          </p:cNvSpPr>
+          <p:nvPr>
+            <p:ph type="sldNum" sz="quarter" idx="12"/>
+          </p:nvPr>
+        </p:nvSpPr>
+        <p:spPr/>
+        <p:txBody>
+          <a:bodyPr/>
+          <a:lstStyle/>
+          <a:p>
+            <a:fld id="{BC410EEA-824F-4D46-AFE7-60426C8C06B0}" type="slidenum">
+              <a:rPr lang="en-US" altLang="ja-JP" smtClean="0"/>
+              <a:pPr/>
+              <a:t>12</a:t>
+            </a:fld>
+            <a:endParaRPr kumimoji="1" lang="ja-JP" altLang="en-US"/>
+          </a:p>
+        </p:txBody>
+      </p:sp>
     </p:spTree>
     <p:extLst>
       <p:ext uri="{BB962C8B-B14F-4D97-AF65-F5344CB8AC3E}">
@@ -9133,6 +9438,30 @@
           </a:p>
         </p:txBody>
       </p:sp>
+      <p:sp>
+        <p:nvSpPr>
+          <p:cNvPr id="5" name="スライド番号プレースホルダー 4"/>
+          <p:cNvSpPr>
+            <a:spLocks noGrp="1"/>
+          </p:cNvSpPr>
+          <p:nvPr>
+            <p:ph type="sldNum" sz="quarter" idx="12"/>
+          </p:nvPr>
+        </p:nvSpPr>
+        <p:spPr/>
+        <p:txBody>
+          <a:bodyPr/>
+          <a:lstStyle/>
+          <a:p>
+            <a:fld id="{BC410EEA-824F-4D46-AFE7-60426C8C06B0}" type="slidenum">
+              <a:rPr lang="en-US" altLang="ja-JP" smtClean="0"/>
+              <a:pPr/>
+              <a:t>13</a:t>
+            </a:fld>
+            <a:endParaRPr kumimoji="1" lang="ja-JP" altLang="en-US"/>
+          </a:p>
+        </p:txBody>
+      </p:sp>
     </p:spTree>
     <p:extLst>
       <p:ext uri="{BB962C8B-B14F-4D97-AF65-F5344CB8AC3E}">
@@ -9274,6 +9603,30 @@
           </a:p>
         </p:txBody>
       </p:sp>
+      <p:sp>
+        <p:nvSpPr>
+          <p:cNvPr id="6" name="スライド番号プレースホルダー 5"/>
+          <p:cNvSpPr>
+            <a:spLocks noGrp="1"/>
+          </p:cNvSpPr>
+          <p:nvPr>
+            <p:ph type="sldNum" sz="quarter" idx="12"/>
+          </p:nvPr>
+        </p:nvSpPr>
+        <p:spPr/>
+        <p:txBody>
+          <a:bodyPr/>
+          <a:lstStyle/>
+          <a:p>
+            <a:fld id="{BC410EEA-824F-4D46-AFE7-60426C8C06B0}" type="slidenum">
+              <a:rPr lang="en-US" altLang="ja-JP" smtClean="0"/>
+              <a:pPr/>
+              <a:t>14</a:t>
+            </a:fld>
+            <a:endParaRPr kumimoji="1" lang="ja-JP" altLang="en-US"/>
+          </a:p>
+        </p:txBody>
+      </p:sp>
     </p:spTree>
     <p:extLst>
       <p:ext uri="{BB962C8B-B14F-4D97-AF65-F5344CB8AC3E}">
@@ -9445,6 +9798,30 @@
           </a:p>
         </p:txBody>
       </p:sp>
+      <p:sp>
+        <p:nvSpPr>
+          <p:cNvPr id="5" name="スライド番号プレースホルダー 4"/>
+          <p:cNvSpPr>
+            <a:spLocks noGrp="1"/>
+          </p:cNvSpPr>
+          <p:nvPr>
+            <p:ph type="sldNum" sz="quarter" idx="12"/>
+          </p:nvPr>
+        </p:nvSpPr>
+        <p:spPr/>
+        <p:txBody>
+          <a:bodyPr/>
+          <a:lstStyle/>
+          <a:p>
+            <a:fld id="{BC410EEA-824F-4D46-AFE7-60426C8C06B0}" type="slidenum">
+              <a:rPr lang="en-US" altLang="ja-JP" smtClean="0"/>
+              <a:pPr/>
+              <a:t>15</a:t>
+            </a:fld>
+            <a:endParaRPr kumimoji="1" lang="ja-JP" altLang="en-US"/>
+          </a:p>
+        </p:txBody>
+      </p:sp>
     </p:spTree>
     <p:extLst>
       <p:ext uri="{BB962C8B-B14F-4D97-AF65-F5344CB8AC3E}">
@@ -9455,6 +9832,13 @@
   <p:clrMapOvr>
     <a:masterClrMapping/>
   </p:clrMapOvr>
+  <p:timing>
+    <p:tnLst>
+      <p:par>
+        <p:cTn id="1" dur="indefinite" restart="never" nodeType="tmRoot"/>
+      </p:par>
+    </p:tnLst>
+  </p:timing>
 </p:sld>
 </file>
 
@@ -10132,6 +10516,30 @@
           </a:graphicData>
         </a:graphic>
       </p:graphicFrame>
+      <p:sp>
+        <p:nvSpPr>
+          <p:cNvPr id="5" name="スライド番号プレースホルダー 4"/>
+          <p:cNvSpPr>
+            <a:spLocks noGrp="1"/>
+          </p:cNvSpPr>
+          <p:nvPr>
+            <p:ph type="sldNum" sz="quarter" idx="12"/>
+          </p:nvPr>
+        </p:nvSpPr>
+        <p:spPr/>
+        <p:txBody>
+          <a:bodyPr/>
+          <a:lstStyle/>
+          <a:p>
+            <a:fld id="{BC410EEA-824F-4D46-AFE7-60426C8C06B0}" type="slidenum">
+              <a:rPr lang="en-US" altLang="ja-JP" smtClean="0"/>
+              <a:pPr/>
+              <a:t>16</a:t>
+            </a:fld>
+            <a:endParaRPr kumimoji="1" lang="ja-JP" altLang="en-US"/>
+          </a:p>
+        </p:txBody>
+      </p:sp>
     </p:spTree>
     <p:extLst>
       <p:ext uri="{BB962C8B-B14F-4D97-AF65-F5344CB8AC3E}">
@@ -10347,6 +10755,30 @@
           </a:p>
         </p:txBody>
       </p:sp>
+      <p:sp>
+        <p:nvSpPr>
+          <p:cNvPr id="9" name="スライド番号プレースホルダー 8"/>
+          <p:cNvSpPr>
+            <a:spLocks noGrp="1"/>
+          </p:cNvSpPr>
+          <p:nvPr>
+            <p:ph type="sldNum" sz="quarter" idx="12"/>
+          </p:nvPr>
+        </p:nvSpPr>
+        <p:spPr/>
+        <p:txBody>
+          <a:bodyPr/>
+          <a:lstStyle/>
+          <a:p>
+            <a:fld id="{BC410EEA-824F-4D46-AFE7-60426C8C06B0}" type="slidenum">
+              <a:rPr lang="en-US" altLang="ja-JP" smtClean="0"/>
+              <a:pPr/>
+              <a:t>17</a:t>
+            </a:fld>
+            <a:endParaRPr kumimoji="1" lang="ja-JP" altLang="en-US"/>
+          </a:p>
+        </p:txBody>
+      </p:sp>
     </p:spTree>
     <p:extLst>
       <p:ext uri="{BB962C8B-B14F-4D97-AF65-F5344CB8AC3E}">
@@ -10488,6 +10920,30 @@
           </a:p>
         </p:txBody>
       </p:sp>
+      <p:sp>
+        <p:nvSpPr>
+          <p:cNvPr id="5" name="スライド番号プレースホルダー 4"/>
+          <p:cNvSpPr>
+            <a:spLocks noGrp="1"/>
+          </p:cNvSpPr>
+          <p:nvPr>
+            <p:ph type="sldNum" sz="quarter" idx="12"/>
+          </p:nvPr>
+        </p:nvSpPr>
+        <p:spPr/>
+        <p:txBody>
+          <a:bodyPr/>
+          <a:lstStyle/>
+          <a:p>
+            <a:fld id="{BC410EEA-824F-4D46-AFE7-60426C8C06B0}" type="slidenum">
+              <a:rPr lang="en-US" altLang="ja-JP" smtClean="0"/>
+              <a:pPr/>
+              <a:t>18</a:t>
+            </a:fld>
+            <a:endParaRPr kumimoji="1" lang="ja-JP" altLang="en-US"/>
+          </a:p>
+        </p:txBody>
+      </p:sp>
     </p:spTree>
     <p:extLst>
       <p:ext uri="{BB962C8B-B14F-4D97-AF65-F5344CB8AC3E}">
@@ -10498,6 +10954,13 @@
   <p:clrMapOvr>
     <a:masterClrMapping/>
   </p:clrMapOvr>
+  <p:timing>
+    <p:tnLst>
+      <p:par>
+        <p:cTn id="1" dur="indefinite" restart="never" nodeType="tmRoot"/>
+      </p:par>
+    </p:tnLst>
+  </p:timing>
 </p:sld>
 </file>
 
@@ -10678,6 +11141,30 @@
           </a:p>
         </p:txBody>
       </p:sp>
+      <p:sp>
+        <p:nvSpPr>
+          <p:cNvPr id="5" name="スライド番号プレースホルダー 4"/>
+          <p:cNvSpPr>
+            <a:spLocks noGrp="1"/>
+          </p:cNvSpPr>
+          <p:nvPr>
+            <p:ph type="sldNum" sz="quarter" idx="12"/>
+          </p:nvPr>
+        </p:nvSpPr>
+        <p:spPr/>
+        <p:txBody>
+          <a:bodyPr/>
+          <a:lstStyle/>
+          <a:p>
+            <a:fld id="{BC410EEA-824F-4D46-AFE7-60426C8C06B0}" type="slidenum">
+              <a:rPr lang="en-US" altLang="ja-JP" smtClean="0"/>
+              <a:pPr/>
+              <a:t>19</a:t>
+            </a:fld>
+            <a:endParaRPr kumimoji="1" lang="ja-JP" altLang="en-US"/>
+          </a:p>
+        </p:txBody>
+      </p:sp>
     </p:spTree>
     <p:extLst>
       <p:ext uri="{BB962C8B-B14F-4D97-AF65-F5344CB8AC3E}">
@@ -10688,6 +11175,13 @@
   <p:clrMapOvr>
     <a:masterClrMapping/>
   </p:clrMapOvr>
+  <p:timing>
+    <p:tnLst>
+      <p:par>
+        <p:cTn id="1" dur="indefinite" restart="never" nodeType="tmRoot"/>
+      </p:par>
+    </p:tnLst>
+  </p:timing>
 </p:sld>
 </file>
 
@@ -10876,6 +11370,30 @@
               <a:t>Background</a:t>
             </a:r>
             <a:endParaRPr kumimoji="1" lang="ja-JP" altLang="en-US" dirty="0"/>
+          </a:p>
+        </p:txBody>
+      </p:sp>
+      <p:sp>
+        <p:nvSpPr>
+          <p:cNvPr id="5" name="スライド番号プレースホルダー 4"/>
+          <p:cNvSpPr>
+            <a:spLocks noGrp="1"/>
+          </p:cNvSpPr>
+          <p:nvPr>
+            <p:ph type="sldNum" sz="quarter" idx="12"/>
+          </p:nvPr>
+        </p:nvSpPr>
+        <p:spPr/>
+        <p:txBody>
+          <a:bodyPr/>
+          <a:lstStyle/>
+          <a:p>
+            <a:fld id="{BC410EEA-824F-4D46-AFE7-60426C8C06B0}" type="slidenum">
+              <a:rPr lang="en-US" altLang="ja-JP" smtClean="0"/>
+              <a:pPr/>
+              <a:t>2</a:t>
+            </a:fld>
+            <a:endParaRPr kumimoji="1" lang="ja-JP" altLang="en-US"/>
           </a:p>
         </p:txBody>
       </p:sp>
@@ -11065,6 +11583,30 @@
               <a:t>References</a:t>
             </a:r>
             <a:endParaRPr kumimoji="1" lang="ja-JP" altLang="en-US" dirty="0"/>
+          </a:p>
+        </p:txBody>
+      </p:sp>
+      <p:sp>
+        <p:nvSpPr>
+          <p:cNvPr id="5" name="スライド番号プレースホルダー 4"/>
+          <p:cNvSpPr>
+            <a:spLocks noGrp="1"/>
+          </p:cNvSpPr>
+          <p:nvPr>
+            <p:ph type="sldNum" sz="quarter" idx="12"/>
+          </p:nvPr>
+        </p:nvSpPr>
+        <p:spPr/>
+        <p:txBody>
+          <a:bodyPr/>
+          <a:lstStyle/>
+          <a:p>
+            <a:fld id="{BC410EEA-824F-4D46-AFE7-60426C8C06B0}" type="slidenum">
+              <a:rPr lang="en-US" altLang="ja-JP" smtClean="0"/>
+              <a:pPr/>
+              <a:t>20</a:t>
+            </a:fld>
+            <a:endParaRPr kumimoji="1" lang="ja-JP" altLang="en-US"/>
           </a:p>
         </p:txBody>
       </p:sp>
@@ -12196,6 +12738,30 @@
           </a:p>
         </p:txBody>
       </p:sp>
+      <p:sp>
+        <p:nvSpPr>
+          <p:cNvPr id="11" name="スライド番号プレースホルダー 10"/>
+          <p:cNvSpPr>
+            <a:spLocks noGrp="1"/>
+          </p:cNvSpPr>
+          <p:nvPr>
+            <p:ph type="sldNum" sz="quarter" idx="12"/>
+          </p:nvPr>
+        </p:nvSpPr>
+        <p:spPr/>
+        <p:txBody>
+          <a:bodyPr/>
+          <a:lstStyle/>
+          <a:p>
+            <a:fld id="{BC410EEA-824F-4D46-AFE7-60426C8C06B0}" type="slidenum">
+              <a:rPr lang="en-US" altLang="ja-JP" smtClean="0"/>
+              <a:pPr/>
+              <a:t>3</a:t>
+            </a:fld>
+            <a:endParaRPr kumimoji="1" lang="ja-JP" altLang="en-US"/>
+          </a:p>
+        </p:txBody>
+      </p:sp>
     </p:spTree>
     <p:extLst>
       <p:ext uri="{BB962C8B-B14F-4D97-AF65-F5344CB8AC3E}">
@@ -13630,6 +14196,30 @@
           </a:p>
         </p:txBody>
       </p:sp>
+      <p:sp>
+        <p:nvSpPr>
+          <p:cNvPr id="6" name="スライド番号プレースホルダー 5"/>
+          <p:cNvSpPr>
+            <a:spLocks noGrp="1"/>
+          </p:cNvSpPr>
+          <p:nvPr>
+            <p:ph type="sldNum" sz="quarter" idx="12"/>
+          </p:nvPr>
+        </p:nvSpPr>
+        <p:spPr/>
+        <p:txBody>
+          <a:bodyPr/>
+          <a:lstStyle/>
+          <a:p>
+            <a:fld id="{BC410EEA-824F-4D46-AFE7-60426C8C06B0}" type="slidenum">
+              <a:rPr lang="en-US" altLang="ja-JP" smtClean="0"/>
+              <a:pPr/>
+              <a:t>4</a:t>
+            </a:fld>
+            <a:endParaRPr kumimoji="1" lang="ja-JP" altLang="en-US"/>
+          </a:p>
+        </p:txBody>
+      </p:sp>
     </p:spTree>
     <p:extLst>
       <p:ext uri="{BB962C8B-B14F-4D97-AF65-F5344CB8AC3E}">
@@ -13908,6 +14498,30 @@
           </a:p>
         </p:txBody>
       </p:sp>
+      <p:sp>
+        <p:nvSpPr>
+          <p:cNvPr id="5" name="スライド番号プレースホルダー 4"/>
+          <p:cNvSpPr>
+            <a:spLocks noGrp="1"/>
+          </p:cNvSpPr>
+          <p:nvPr>
+            <p:ph type="sldNum" sz="quarter" idx="12"/>
+          </p:nvPr>
+        </p:nvSpPr>
+        <p:spPr/>
+        <p:txBody>
+          <a:bodyPr/>
+          <a:lstStyle/>
+          <a:p>
+            <a:fld id="{BC410EEA-824F-4D46-AFE7-60426C8C06B0}" type="slidenum">
+              <a:rPr lang="en-US" altLang="ja-JP" smtClean="0"/>
+              <a:pPr/>
+              <a:t>5</a:t>
+            </a:fld>
+            <a:endParaRPr kumimoji="1" lang="ja-JP" altLang="en-US"/>
+          </a:p>
+        </p:txBody>
+      </p:sp>
     </p:spTree>
     <p:extLst>
       <p:ext uri="{BB962C8B-B14F-4D97-AF65-F5344CB8AC3E}">
@@ -14164,6 +14778,30 @@
           </a:p>
         </p:txBody>
       </p:sp>
+      <p:sp>
+        <p:nvSpPr>
+          <p:cNvPr id="5" name="スライド番号プレースホルダー 4"/>
+          <p:cNvSpPr>
+            <a:spLocks noGrp="1"/>
+          </p:cNvSpPr>
+          <p:nvPr>
+            <p:ph type="sldNum" sz="quarter" idx="12"/>
+          </p:nvPr>
+        </p:nvSpPr>
+        <p:spPr/>
+        <p:txBody>
+          <a:bodyPr/>
+          <a:lstStyle/>
+          <a:p>
+            <a:fld id="{BC410EEA-824F-4D46-AFE7-60426C8C06B0}" type="slidenum">
+              <a:rPr lang="en-US" altLang="ja-JP" smtClean="0"/>
+              <a:pPr/>
+              <a:t>6</a:t>
+            </a:fld>
+            <a:endParaRPr kumimoji="1" lang="ja-JP" altLang="en-US"/>
+          </a:p>
+        </p:txBody>
+      </p:sp>
     </p:spTree>
     <p:extLst>
       <p:ext uri="{BB962C8B-B14F-4D97-AF65-F5344CB8AC3E}">
@@ -14306,6 +14944,30 @@
           </a:p>
         </p:txBody>
       </p:sp>
+      <p:sp>
+        <p:nvSpPr>
+          <p:cNvPr id="5" name="スライド番号プレースホルダー 4"/>
+          <p:cNvSpPr>
+            <a:spLocks noGrp="1"/>
+          </p:cNvSpPr>
+          <p:nvPr>
+            <p:ph type="sldNum" sz="quarter" idx="12"/>
+          </p:nvPr>
+        </p:nvSpPr>
+        <p:spPr/>
+        <p:txBody>
+          <a:bodyPr/>
+          <a:lstStyle/>
+          <a:p>
+            <a:fld id="{BC410EEA-824F-4D46-AFE7-60426C8C06B0}" type="slidenum">
+              <a:rPr lang="en-US" altLang="ja-JP" smtClean="0"/>
+              <a:pPr/>
+              <a:t>7</a:t>
+            </a:fld>
+            <a:endParaRPr kumimoji="1" lang="ja-JP" altLang="en-US"/>
+          </a:p>
+        </p:txBody>
+      </p:sp>
     </p:spTree>
     <p:extLst>
       <p:ext uri="{BB962C8B-B14F-4D97-AF65-F5344CB8AC3E}">
@@ -16111,6 +16773,30 @@
           </a:p>
         </p:txBody>
       </p:sp>
+      <p:sp>
+        <p:nvSpPr>
+          <p:cNvPr id="3" name="スライド番号プレースホルダー 2"/>
+          <p:cNvSpPr>
+            <a:spLocks noGrp="1"/>
+          </p:cNvSpPr>
+          <p:nvPr>
+            <p:ph type="sldNum" sz="quarter" idx="12"/>
+          </p:nvPr>
+        </p:nvSpPr>
+        <p:spPr/>
+        <p:txBody>
+          <a:bodyPr/>
+          <a:lstStyle/>
+          <a:p>
+            <a:fld id="{BC410EEA-824F-4D46-AFE7-60426C8C06B0}" type="slidenum">
+              <a:rPr lang="en-US" altLang="ja-JP" smtClean="0"/>
+              <a:pPr/>
+              <a:t>8</a:t>
+            </a:fld>
+            <a:endParaRPr kumimoji="1" lang="ja-JP" altLang="en-US"/>
+          </a:p>
+        </p:txBody>
+      </p:sp>
     </p:spTree>
     <p:extLst>
       <p:ext uri="{BB962C8B-B14F-4D97-AF65-F5344CB8AC3E}">
@@ -16121,6 +16807,13 @@
   <p:clrMapOvr>
     <a:masterClrMapping/>
   </p:clrMapOvr>
+  <p:timing>
+    <p:tnLst>
+      <p:par>
+        <p:cTn id="1" dur="indefinite" restart="never" nodeType="tmRoot"/>
+      </p:par>
+    </p:tnLst>
+  </p:timing>
 </p:sld>
 </file>
 
@@ -16246,6 +16939,30 @@
               <a:t>Displacement</a:t>
             </a:r>
             <a:endParaRPr kumimoji="1" lang="ja-JP" altLang="en-US" dirty="0"/>
+          </a:p>
+        </p:txBody>
+      </p:sp>
+      <p:sp>
+        <p:nvSpPr>
+          <p:cNvPr id="5" name="スライド番号プレースホルダー 4"/>
+          <p:cNvSpPr>
+            <a:spLocks noGrp="1"/>
+          </p:cNvSpPr>
+          <p:nvPr>
+            <p:ph type="sldNum" sz="quarter" idx="12"/>
+          </p:nvPr>
+        </p:nvSpPr>
+        <p:spPr/>
+        <p:txBody>
+          <a:bodyPr/>
+          <a:lstStyle/>
+          <a:p>
+            <a:fld id="{BC410EEA-824F-4D46-AFE7-60426C8C06B0}" type="slidenum">
+              <a:rPr lang="en-US" altLang="ja-JP" smtClean="0"/>
+              <a:pPr/>
+              <a:t>9</a:t>
+            </a:fld>
+            <a:endParaRPr kumimoji="1" lang="ja-JP" altLang="en-US"/>
           </a:p>
         </p:txBody>
       </p:sp>
@@ -16778,6 +17495,267 @@
 </a:theme>
 </file>
 
+<file path=ppt/theme/theme3.xml><?xml version="1.0" encoding="utf-8"?>
+<a:theme xmlns:a="http://schemas.openxmlformats.org/drawingml/2006/main" name="Office テーマ">
+  <a:themeElements>
+    <a:clrScheme name="Office">
+      <a:dk1>
+        <a:sysClr val="windowText" lastClr="000000"/>
+      </a:dk1>
+      <a:lt1>
+        <a:sysClr val="window" lastClr="FFFFFF"/>
+      </a:lt1>
+      <a:dk2>
+        <a:srgbClr val="44546A"/>
+      </a:dk2>
+      <a:lt2>
+        <a:srgbClr val="E7E6E6"/>
+      </a:lt2>
+      <a:accent1>
+        <a:srgbClr val="5B9BD5"/>
+      </a:accent1>
+      <a:accent2>
+        <a:srgbClr val="ED7D31"/>
+      </a:accent2>
+      <a:accent3>
+        <a:srgbClr val="A5A5A5"/>
+      </a:accent3>
+      <a:accent4>
+        <a:srgbClr val="FFC000"/>
+      </a:accent4>
+      <a:accent5>
+        <a:srgbClr val="4472C4"/>
+      </a:accent5>
+      <a:accent6>
+        <a:srgbClr val="70AD47"/>
+      </a:accent6>
+      <a:hlink>
+        <a:srgbClr val="0563C1"/>
+      </a:hlink>
+      <a:folHlink>
+        <a:srgbClr val="954F72"/>
+      </a:folHlink>
+    </a:clrScheme>
+    <a:fontScheme name="Office">
+      <a:majorFont>
+        <a:latin typeface="Calibri Light" panose="020F0302020204030204"/>
+        <a:ea typeface=""/>
+        <a:cs typeface=""/>
+        <a:font script="Jpan" typeface="ＭＳ Ｐゴシック"/>
+        <a:font script="Hang" typeface="맑은 고딕"/>
+        <a:font script="Hans" typeface="宋体"/>
+        <a:font script="Hant" typeface="新細明體"/>
+        <a:font script="Arab" typeface="Times New Roman"/>
+        <a:font script="Hebr" typeface="Times New Roman"/>
+        <a:font script="Thai" typeface="Angsana New"/>
+        <a:font script="Ethi" typeface="Nyala"/>
+        <a:font script="Beng" typeface="Vrinda"/>
+        <a:font script="Gujr" typeface="Shruti"/>
+        <a:font script="Khmr" typeface="MoolBoran"/>
+        <a:font script="Knda" typeface="Tunga"/>
+        <a:font script="Guru" typeface="Raavi"/>
+        <a:font script="Cans" typeface="Euphemia"/>
+        <a:font script="Cher" typeface="Plantagenet Cherokee"/>
+        <a:font script="Yiii" typeface="Microsoft Yi Baiti"/>
+        <a:font script="Tibt" typeface="Microsoft Himalaya"/>
+        <a:font script="Thaa" typeface="MV Boli"/>
+        <a:font script="Deva" typeface="Mangal"/>
+        <a:font script="Telu" typeface="Gautami"/>
+        <a:font script="Taml" typeface="Latha"/>
+        <a:font script="Syrc" typeface="Estrangelo Edessa"/>
+        <a:font script="Orya" typeface="Kalinga"/>
+        <a:font script="Mlym" typeface="Kartika"/>
+        <a:font script="Laoo" typeface="DokChampa"/>
+        <a:font script="Sinh" typeface="Iskoola Pota"/>
+        <a:font script="Mong" typeface="Mongolian Baiti"/>
+        <a:font script="Viet" typeface="Times New Roman"/>
+        <a:font script="Uigh" typeface="Microsoft Uighur"/>
+        <a:font script="Geor" typeface="Sylfaen"/>
+      </a:majorFont>
+      <a:minorFont>
+        <a:latin typeface="Calibri" panose="020F0502020204030204"/>
+        <a:ea typeface=""/>
+        <a:cs typeface=""/>
+        <a:font script="Jpan" typeface="ＭＳ Ｐゴシック"/>
+        <a:font script="Hang" typeface="맑은 고딕"/>
+        <a:font script="Hans" typeface="宋体"/>
+        <a:font script="Hant" typeface="新細明體"/>
+        <a:font script="Arab" typeface="Arial"/>
+        <a:font script="Hebr" typeface="Arial"/>
+        <a:font script="Thai" typeface="Cordia New"/>
+        <a:font script="Ethi" typeface="Nyala"/>
+        <a:font script="Beng" typeface="Vrinda"/>
+        <a:font script="Gujr" typeface="Shruti"/>
+        <a:font script="Khmr" typeface="DaunPenh"/>
+        <a:font script="Knda" typeface="Tunga"/>
+        <a:font script="Guru" typeface="Raavi"/>
+        <a:font script="Cans" typeface="Euphemia"/>
+        <a:font script="Cher" typeface="Plantagenet Cherokee"/>
+        <a:font script="Yiii" typeface="Microsoft Yi Baiti"/>
+        <a:font script="Tibt" typeface="Microsoft Himalaya"/>
+        <a:font script="Thaa" typeface="MV Boli"/>
+        <a:font script="Deva" typeface="Mangal"/>
+        <a:font script="Telu" typeface="Gautami"/>
+        <a:font script="Taml" typeface="Latha"/>
+        <a:font script="Syrc" typeface="Estrangelo Edessa"/>
+        <a:font script="Orya" typeface="Kalinga"/>
+        <a:font script="Mlym" typeface="Kartika"/>
+        <a:font script="Laoo" typeface="DokChampa"/>
+        <a:font script="Sinh" typeface="Iskoola Pota"/>
+        <a:font script="Mong" typeface="Mongolian Baiti"/>
+        <a:font script="Viet" typeface="Arial"/>
+        <a:font script="Uigh" typeface="Microsoft Uighur"/>
+        <a:font script="Geor" typeface="Sylfaen"/>
+      </a:minorFont>
+    </a:fontScheme>
+    <a:fmtScheme name="Office">
+      <a:fillStyleLst>
+        <a:solidFill>
+          <a:schemeClr val="phClr"/>
+        </a:solidFill>
+        <a:gradFill rotWithShape="1">
+          <a:gsLst>
+            <a:gs pos="0">
+              <a:schemeClr val="phClr">
+                <a:lumMod val="110000"/>
+                <a:satMod val="105000"/>
+                <a:tint val="67000"/>
+              </a:schemeClr>
+            </a:gs>
+            <a:gs pos="50000">
+              <a:schemeClr val="phClr">
+                <a:lumMod val="105000"/>
+                <a:satMod val="103000"/>
+                <a:tint val="73000"/>
+              </a:schemeClr>
+            </a:gs>
+            <a:gs pos="100000">
+              <a:schemeClr val="phClr">
+                <a:lumMod val="105000"/>
+                <a:satMod val="109000"/>
+                <a:tint val="81000"/>
+              </a:schemeClr>
+            </a:gs>
+          </a:gsLst>
+          <a:lin ang="5400000" scaled="0"/>
+        </a:gradFill>
+        <a:gradFill rotWithShape="1">
+          <a:gsLst>
+            <a:gs pos="0">
+              <a:schemeClr val="phClr">
+                <a:satMod val="103000"/>
+                <a:lumMod val="102000"/>
+                <a:tint val="94000"/>
+              </a:schemeClr>
+            </a:gs>
+            <a:gs pos="50000">
+              <a:schemeClr val="phClr">
+                <a:satMod val="110000"/>
+                <a:lumMod val="100000"/>
+                <a:shade val="100000"/>
+              </a:schemeClr>
+            </a:gs>
+            <a:gs pos="100000">
+              <a:schemeClr val="phClr">
+                <a:lumMod val="99000"/>
+                <a:satMod val="120000"/>
+                <a:shade val="78000"/>
+              </a:schemeClr>
+            </a:gs>
+          </a:gsLst>
+          <a:lin ang="5400000" scaled="0"/>
+        </a:gradFill>
+      </a:fillStyleLst>
+      <a:lnStyleLst>
+        <a:ln w="6350" cap="flat" cmpd="sng" algn="ctr">
+          <a:solidFill>
+            <a:schemeClr val="phClr"/>
+          </a:solidFill>
+          <a:prstDash val="solid"/>
+          <a:miter lim="800000"/>
+        </a:ln>
+        <a:ln w="12700" cap="flat" cmpd="sng" algn="ctr">
+          <a:solidFill>
+            <a:schemeClr val="phClr"/>
+          </a:solidFill>
+          <a:prstDash val="solid"/>
+          <a:miter lim="800000"/>
+        </a:ln>
+        <a:ln w="19050" cap="flat" cmpd="sng" algn="ctr">
+          <a:solidFill>
+            <a:schemeClr val="phClr"/>
+          </a:solidFill>
+          <a:prstDash val="solid"/>
+          <a:miter lim="800000"/>
+        </a:ln>
+      </a:lnStyleLst>
+      <a:effectStyleLst>
+        <a:effectStyle>
+          <a:effectLst/>
+        </a:effectStyle>
+        <a:effectStyle>
+          <a:effectLst/>
+        </a:effectStyle>
+        <a:effectStyle>
+          <a:effectLst>
+            <a:outerShdw blurRad="57150" dist="19050" dir="5400000" algn="ctr" rotWithShape="0">
+              <a:srgbClr val="000000">
+                <a:alpha val="63000"/>
+              </a:srgbClr>
+            </a:outerShdw>
+          </a:effectLst>
+        </a:effectStyle>
+      </a:effectStyleLst>
+      <a:bgFillStyleLst>
+        <a:solidFill>
+          <a:schemeClr val="phClr"/>
+        </a:solidFill>
+        <a:solidFill>
+          <a:schemeClr val="phClr">
+            <a:tint val="95000"/>
+            <a:satMod val="170000"/>
+          </a:schemeClr>
+        </a:solidFill>
+        <a:gradFill rotWithShape="1">
+          <a:gsLst>
+            <a:gs pos="0">
+              <a:schemeClr val="phClr">
+                <a:tint val="93000"/>
+                <a:satMod val="150000"/>
+                <a:shade val="98000"/>
+                <a:lumMod val="102000"/>
+              </a:schemeClr>
+            </a:gs>
+            <a:gs pos="50000">
+              <a:schemeClr val="phClr">
+                <a:tint val="98000"/>
+                <a:satMod val="130000"/>
+                <a:shade val="90000"/>
+                <a:lumMod val="103000"/>
+              </a:schemeClr>
+            </a:gs>
+            <a:gs pos="100000">
+              <a:schemeClr val="phClr">
+                <a:shade val="63000"/>
+                <a:satMod val="120000"/>
+              </a:schemeClr>
+            </a:gs>
+          </a:gsLst>
+          <a:lin ang="5400000" scaled="0"/>
+        </a:gradFill>
+      </a:bgFillStyleLst>
+    </a:fmtScheme>
+  </a:themeElements>
+  <a:objectDefaults/>
+  <a:extraClrSchemeLst/>
+  <a:extLst>
+    <a:ext uri="{05A4C25C-085E-4340-85A3-A5531E510DB2}">
+      <thm15:themeFamily xmlns:thm15="http://schemas.microsoft.com/office/thememl/2012/main" name="Office Theme" id="{62F939B6-93AF-4DB8-9C6B-D6C7DFDC589F}" vid="{4A3C46E8-61CC-4603-A589-7422A47A8E4A}"/>
+    </a:ext>
+  </a:extLst>
+</a:theme>
+</file>
+
 <file path=customXml/item1.xml><?xml version="1.0" encoding="utf-8"?>
 <?mso-contentType ?>
 <FormTemplates xmlns="http://schemas.microsoft.com/sharepoint/v3/contenttype/forms">
